--- a/JavaScript/JS UI & DOM/12. Exam Preparation/Exam Preparation.pptx
+++ b/JavaScript/JS UI & DOM/12. Exam Preparation/Exam Preparation.pptx
@@ -5,14 +5,11 @@
     <p:sldMasterId id="2147483660" r:id="rId1"/>
   </p:sldMasterIdLst>
   <p:sldIdLst>
-    <p:sldId id="262" r:id="rId2"/>
-    <p:sldId id="257" r:id="rId3"/>
-    <p:sldId id="259" r:id="rId4"/>
-    <p:sldId id="261" r:id="rId5"/>
-    <p:sldId id="263" r:id="rId6"/>
-    <p:sldId id="264" r:id="rId7"/>
-    <p:sldId id="265" r:id="rId8"/>
-    <p:sldId id="266" r:id="rId9"/>
+    <p:sldId id="257" r:id="rId2"/>
+    <p:sldId id="259" r:id="rId3"/>
+    <p:sldId id="261" r:id="rId4"/>
+    <p:sldId id="264" r:id="rId5"/>
+    <p:sldId id="266" r:id="rId6"/>
   </p:sldIdLst>
   <p:sldSz cx="9144000" cy="6858000" type="screen4x3"/>
   <p:notesSz cx="6858000" cy="9144000"/>
@@ -115,7 +112,7 @@
 </file>
 
 <file path=ppt/slideLayouts/slideLayout1.xml><?xml version="1.0" encoding="utf-8"?>
-<p:sldLayout xmlns:a="http://schemas.openxmlformats.org/drawingml/2006/main" xmlns:r="http://schemas.openxmlformats.org/officeDocument/2006/relationships" xmlns:p="http://schemas.openxmlformats.org/presentationml/2006/main" preserve="1">
+<p:sldLayout xmlns:a="http://schemas.openxmlformats.org/drawingml/2006/main" xmlns:r="http://schemas.openxmlformats.org/officeDocument/2006/relationships" xmlns:p="http://schemas.openxmlformats.org/presentationml/2006/main" showMasterSp="0" preserve="1">
   <p:cSld name="Presentation Title Slide">
     <p:spTree>
       <p:nvGrpSpPr>
@@ -533,7 +530,7 @@
 </file>
 
 <file path=ppt/slideLayouts/slideLayout2.xml><?xml version="1.0" encoding="utf-8"?>
-<p:sldLayout xmlns:a="http://schemas.openxmlformats.org/drawingml/2006/main" xmlns:r="http://schemas.openxmlformats.org/officeDocument/2006/relationships" xmlns:p="http://schemas.openxmlformats.org/presentationml/2006/main" type="obj" preserve="1">
+<p:sldLayout xmlns:a="http://schemas.openxmlformats.org/drawingml/2006/main" xmlns:r="http://schemas.openxmlformats.org/officeDocument/2006/relationships" xmlns:p="http://schemas.openxmlformats.org/presentationml/2006/main" showMasterSp="0" type="obj" preserve="1">
   <p:cSld name="Title and Content">
     <p:spTree>
       <p:nvGrpSpPr>
@@ -838,7 +835,7 @@
 </file>
 
 <file path=ppt/slideLayouts/slideLayout3.xml><?xml version="1.0" encoding="utf-8"?>
-<p:sldLayout xmlns:a="http://schemas.openxmlformats.org/drawingml/2006/main" xmlns:r="http://schemas.openxmlformats.org/officeDocument/2006/relationships" xmlns:p="http://schemas.openxmlformats.org/presentationml/2006/main" preserve="1">
+<p:sldLayout xmlns:a="http://schemas.openxmlformats.org/drawingml/2006/main" xmlns:r="http://schemas.openxmlformats.org/officeDocument/2006/relationships" xmlns:p="http://schemas.openxmlformats.org/presentationml/2006/main" showMasterSp="0" preserve="1">
   <p:cSld name="Custom Layout">
     <p:spTree>
       <p:nvGrpSpPr>
@@ -1262,7 +1259,7 @@
 </file>
 
 <file path=ppt/slideLayouts/slideLayout4.xml><?xml version="1.0" encoding="utf-8"?>
-<p:sldLayout xmlns:a="http://schemas.openxmlformats.org/drawingml/2006/main" xmlns:r="http://schemas.openxmlformats.org/officeDocument/2006/relationships" xmlns:p="http://schemas.openxmlformats.org/presentationml/2006/main" type="title" preserve="1">
+<p:sldLayout xmlns:a="http://schemas.openxmlformats.org/drawingml/2006/main" xmlns:r="http://schemas.openxmlformats.org/officeDocument/2006/relationships" xmlns:p="http://schemas.openxmlformats.org/presentationml/2006/main" showMasterSp="0" type="title" preserve="1">
   <p:cSld name="Title Slide">
     <p:spTree>
       <p:nvGrpSpPr>
@@ -1436,7 +1433,7 @@
 </file>
 
 <file path=ppt/slideLayouts/slideLayout5.xml><?xml version="1.0" encoding="utf-8"?>
-<p:sldLayout xmlns:a="http://schemas.openxmlformats.org/drawingml/2006/main" xmlns:r="http://schemas.openxmlformats.org/officeDocument/2006/relationships" xmlns:p="http://schemas.openxmlformats.org/presentationml/2006/main" preserve="1">
+<p:sldLayout xmlns:a="http://schemas.openxmlformats.org/drawingml/2006/main" xmlns:r="http://schemas.openxmlformats.org/officeDocument/2006/relationships" xmlns:p="http://schemas.openxmlformats.org/presentationml/2006/main" showMasterSp="0" preserve="1">
   <p:cSld name="Questions Slide">
     <p:spTree>
       <p:nvGrpSpPr>
@@ -4844,65 +4841,7 @@
 </file>
 
 <file path=ppt/slides/slide1.xml><?xml version="1.0" encoding="utf-8"?>
-<p:sld xmlns:a="http://schemas.openxmlformats.org/drawingml/2006/main" xmlns:r="http://schemas.openxmlformats.org/officeDocument/2006/relationships" xmlns:p="http://schemas.openxmlformats.org/presentationml/2006/main">
-  <p:cSld>
-    <p:spTree>
-      <p:nvGrpSpPr>
-        <p:cNvPr id="1" name=""/>
-        <p:cNvGrpSpPr/>
-        <p:nvPr/>
-      </p:nvGrpSpPr>
-      <p:grpSpPr>
-        <a:xfrm>
-          <a:off x="0" y="0"/>
-          <a:ext cx="0" cy="0"/>
-          <a:chOff x="0" y="0"/>
-          <a:chExt cx="0" cy="0"/>
-        </a:xfrm>
-      </p:grpSpPr>
-      <p:sp>
-        <p:nvSpPr>
-          <p:cNvPr id="4" name="Title 3"/>
-          <p:cNvSpPr>
-            <a:spLocks noGrp="1"/>
-          </p:cNvSpPr>
-          <p:nvPr>
-            <p:ph type="ctrTitle"/>
-          </p:nvPr>
-        </p:nvSpPr>
-        <p:spPr>
-          <a:xfrm>
-            <a:off x="622300" y="3060701"/>
-            <a:ext cx="7924800" cy="685800"/>
-          </a:xfrm>
-        </p:spPr>
-        <p:txBody>
-          <a:bodyPr/>
-          <a:lstStyle/>
-          <a:p>
-            <a:r>
-              <a:rPr lang="en-US" dirty="0" smtClean="0"/>
-              <a:t>Task 1 – Web Control with Vanilla JavaScript</a:t>
-            </a:r>
-            <a:endParaRPr lang="en-US" dirty="0"/>
-          </a:p>
-        </p:txBody>
-      </p:sp>
-    </p:spTree>
-    <p:extLst>
-      <p:ext uri="{BB962C8B-B14F-4D97-AF65-F5344CB8AC3E}">
-        <p14:creationId xmlns:p14="http://schemas.microsoft.com/office/powerpoint/2010/main" xmlns="" val="2353239930"/>
-      </p:ext>
-    </p:extLst>
-  </p:cSld>
-  <p:clrMapOvr>
-    <a:masterClrMapping/>
-  </p:clrMapOvr>
-</p:sld>
-</file>
-
-<file path=ppt/slides/slide2.xml><?xml version="1.0" encoding="utf-8"?>
-<p:sld xmlns:a="http://schemas.openxmlformats.org/drawingml/2006/main" xmlns:r="http://schemas.openxmlformats.org/officeDocument/2006/relationships" xmlns:p="http://schemas.openxmlformats.org/presentationml/2006/main">
+<p:sld xmlns:a="http://schemas.openxmlformats.org/drawingml/2006/main" xmlns:r="http://schemas.openxmlformats.org/officeDocument/2006/relationships" xmlns:p="http://schemas.openxmlformats.org/presentationml/2006/main" showMasterSp="0">
   <p:cSld>
     <p:spTree>
       <p:nvGrpSpPr>
@@ -4928,27 +4867,33 @@
             <p:ph type="title"/>
           </p:nvPr>
         </p:nvSpPr>
-        <p:spPr/>
+        <p:spPr>
+          <a:xfrm>
+            <a:off x="489869" y="174171"/>
+            <a:ext cx="8074479" cy="838200"/>
+          </a:xfrm>
+        </p:spPr>
         <p:txBody>
           <a:bodyPr/>
           <a:lstStyle/>
           <a:p>
-            <a:r>
-              <a:rPr lang="en-US" dirty="0" smtClean="0"/>
+            <a:pPr algn="l"/>
+            <a:r>
+              <a:rPr lang="en-US" sz="3000" dirty="0" smtClean="0"/>
               <a:t>Task </a:t>
             </a:r>
             <a:r>
-              <a:rPr lang="en-US" dirty="0" smtClean="0">
+              <a:rPr lang="en-US" sz="3000" dirty="0" smtClean="0">
                 <a:latin typeface="Consolas" panose="020B0609020204030204" pitchFamily="49" charset="0"/>
                 <a:cs typeface="Consolas" panose="020B0609020204030204" pitchFamily="49" charset="0"/>
               </a:rPr>
               <a:t>1</a:t>
             </a:r>
             <a:r>
-              <a:rPr lang="en-US" dirty="0" smtClean="0"/>
+              <a:rPr lang="en-US" sz="3000" dirty="0" smtClean="0"/>
               <a:t> – Web Control with Vanilla JavaScript</a:t>
             </a:r>
-            <a:endParaRPr lang="en-US" dirty="0"/>
+            <a:endParaRPr lang="en-US" sz="3000" dirty="0"/>
           </a:p>
         </p:txBody>
       </p:sp>
@@ -5580,8 +5525,8 @@
 </p:sld>
 </file>
 
-<file path=ppt/slides/slide3.xml><?xml version="1.0" encoding="utf-8"?>
-<p:sld xmlns:a="http://schemas.openxmlformats.org/drawingml/2006/main" xmlns:r="http://schemas.openxmlformats.org/officeDocument/2006/relationships" xmlns:p="http://schemas.openxmlformats.org/presentationml/2006/main">
+<file path=ppt/slides/slide2.xml><?xml version="1.0" encoding="utf-8"?>
+<p:sld xmlns:a="http://schemas.openxmlformats.org/drawingml/2006/main" xmlns:r="http://schemas.openxmlformats.org/officeDocument/2006/relationships" xmlns:p="http://schemas.openxmlformats.org/presentationml/2006/main" showMasterSp="0">
   <p:cSld>
     <p:spTree>
       <p:nvGrpSpPr>
@@ -5599,40 +5544,6 @@
       </p:grpSpPr>
       <p:sp>
         <p:nvSpPr>
-          <p:cNvPr id="2" name="Title 1"/>
-          <p:cNvSpPr>
-            <a:spLocks noGrp="1"/>
-          </p:cNvSpPr>
-          <p:nvPr>
-            <p:ph type="title"/>
-          </p:nvPr>
-        </p:nvSpPr>
-        <p:spPr/>
-        <p:txBody>
-          <a:bodyPr/>
-          <a:lstStyle/>
-          <a:p>
-            <a:r>
-              <a:rPr lang="en-US" dirty="0" smtClean="0"/>
-              <a:t>Task </a:t>
-            </a:r>
-            <a:r>
-              <a:rPr lang="en-US" dirty="0" smtClean="0">
-                <a:latin typeface="Consolas" panose="020B0609020204030204" pitchFamily="49" charset="0"/>
-                <a:cs typeface="Consolas" panose="020B0609020204030204" pitchFamily="49" charset="0"/>
-              </a:rPr>
-              <a:t>1</a:t>
-            </a:r>
-            <a:r>
-              <a:rPr lang="en-US" dirty="0" smtClean="0"/>
-              <a:t> – Web Control with Vanilla JavaScript (2)</a:t>
-            </a:r>
-            <a:endParaRPr lang="en-US" dirty="0"/>
-          </a:p>
-        </p:txBody>
-      </p:sp>
-      <p:sp>
-        <p:nvSpPr>
           <p:cNvPr id="3" name="Content Placeholder 2"/>
           <p:cNvSpPr>
             <a:spLocks noGrp="1"/>
@@ -5643,40 +5554,21 @@
         </p:nvSpPr>
         <p:spPr>
           <a:xfrm>
-            <a:off x="228600" y="976544"/>
-            <a:ext cx="8686800" cy="1953087"/>
+            <a:off x="212271" y="494852"/>
+            <a:ext cx="8686800" cy="1521728"/>
           </a:xfrm>
         </p:spPr>
         <p:txBody>
           <a:bodyPr/>
           <a:lstStyle/>
           <a:p>
-            <a:pPr>
-              <a:lnSpc>
-                <a:spcPct val="100000"/>
-              </a:lnSpc>
-            </a:pPr>
-            <a:r>
-              <a:rPr lang="en-US" sz="2600" dirty="0" smtClean="0"/>
-              <a:t>(</a:t>
-            </a:r>
-            <a:r>
-              <a:rPr lang="en-US" sz="2600" dirty="0" err="1" smtClean="0"/>
-              <a:t>cont</a:t>
-            </a:r>
-            <a:r>
-              <a:rPr lang="en-US" sz="2600" dirty="0" smtClean="0"/>
-              <a:t>) Create a calendar using pure (vanilla) JavaScript</a:t>
-            </a:r>
-          </a:p>
-          <a:p>
             <a:pPr lvl="1">
               <a:lnSpc>
                 <a:spcPct val="100000"/>
               </a:lnSpc>
             </a:pPr>
             <a:r>
-              <a:rPr lang="en-US" sz="2400" dirty="0" smtClean="0"/>
+              <a:rPr lang="en-US" sz="2400" smtClean="0"/>
               <a:t>The </a:t>
             </a:r>
             <a:r>
@@ -5722,7 +5614,7 @@
         </p:blipFill>
         <p:spPr>
           <a:xfrm>
-            <a:off x="713016" y="2997781"/>
+            <a:off x="713016" y="2605909"/>
             <a:ext cx="4659084" cy="3521034"/>
           </a:xfrm>
           <a:prstGeom prst="roundRect">
@@ -5742,7 +5634,7 @@
         </p:nvSpPr>
         <p:spPr>
           <a:xfrm>
-            <a:off x="4953000" y="2929631"/>
+            <a:off x="4953000" y="2537759"/>
             <a:ext cx="3962401" cy="3589184"/>
           </a:xfrm>
           <a:prstGeom prst="rect">
@@ -6112,8 +6004,8 @@
 </p:sld>
 </file>
 
-<file path=ppt/slides/slide4.xml><?xml version="1.0" encoding="utf-8"?>
-<p:sld xmlns:a="http://schemas.openxmlformats.org/drawingml/2006/main" xmlns:r="http://schemas.openxmlformats.org/officeDocument/2006/relationships" xmlns:p="http://schemas.openxmlformats.org/presentationml/2006/main">
+<file path=ppt/slides/slide3.xml><?xml version="1.0" encoding="utf-8"?>
+<p:sld xmlns:a="http://schemas.openxmlformats.org/drawingml/2006/main" xmlns:r="http://schemas.openxmlformats.org/officeDocument/2006/relationships" xmlns:p="http://schemas.openxmlformats.org/presentationml/2006/main" showMasterSp="0">
   <p:cSld>
     <p:spTree>
       <p:nvGrpSpPr>
@@ -6131,40 +6023,6 @@
       </p:grpSpPr>
       <p:sp>
         <p:nvSpPr>
-          <p:cNvPr id="2" name="Title 1"/>
-          <p:cNvSpPr>
-            <a:spLocks noGrp="1"/>
-          </p:cNvSpPr>
-          <p:nvPr>
-            <p:ph type="title"/>
-          </p:nvPr>
-        </p:nvSpPr>
-        <p:spPr/>
-        <p:txBody>
-          <a:bodyPr/>
-          <a:lstStyle/>
-          <a:p>
-            <a:r>
-              <a:rPr lang="en-US" dirty="0" smtClean="0"/>
-              <a:t>Task </a:t>
-            </a:r>
-            <a:r>
-              <a:rPr lang="en-US" dirty="0" smtClean="0">
-                <a:latin typeface="Consolas" panose="020B0609020204030204" pitchFamily="49" charset="0"/>
-                <a:cs typeface="Consolas" panose="020B0609020204030204" pitchFamily="49" charset="0"/>
-              </a:rPr>
-              <a:t>1</a:t>
-            </a:r>
-            <a:r>
-              <a:rPr lang="en-US" dirty="0" smtClean="0"/>
-              <a:t> – Web Control with Vanilla JavaScript (3)</a:t>
-            </a:r>
-            <a:endParaRPr lang="en-US" dirty="0"/>
-          </a:p>
-        </p:txBody>
-      </p:sp>
-      <p:sp>
-        <p:nvSpPr>
           <p:cNvPr id="3" name="Content Placeholder 2"/>
           <p:cNvSpPr>
             <a:spLocks noGrp="1"/>
@@ -6175,7 +6033,7 @@
         </p:nvSpPr>
         <p:spPr>
           <a:xfrm>
-            <a:off x="228600" y="976544"/>
+            <a:off x="228600" y="519360"/>
             <a:ext cx="8686800" cy="2547891"/>
           </a:xfrm>
         </p:spPr>
@@ -6183,33 +6041,18 @@
           <a:bodyPr/>
           <a:lstStyle/>
           <a:p>
-            <a:pPr>
-              <a:lnSpc>
-                <a:spcPct val="100000"/>
-              </a:lnSpc>
-            </a:pPr>
-            <a:r>
-              <a:rPr lang="en-US" sz="2600" dirty="0" smtClean="0"/>
-              <a:t>(</a:t>
-            </a:r>
-            <a:r>
-              <a:rPr lang="en-US" sz="2600" dirty="0" err="1" smtClean="0"/>
-              <a:t>cont</a:t>
-            </a:r>
-            <a:r>
-              <a:rPr lang="en-US" sz="2600" dirty="0" smtClean="0"/>
-              <a:t>) Create a calendar using pure (vanilla) JavaScript</a:t>
-            </a:r>
-          </a:p>
-          <a:p>
             <a:pPr lvl="1">
               <a:lnSpc>
                 <a:spcPct val="100000"/>
               </a:lnSpc>
             </a:pPr>
             <a:r>
+              <a:rPr lang="en-US" sz="2400" smtClean="0"/>
+              <a:t>The </a:t>
+            </a:r>
+            <a:r>
               <a:rPr lang="en-US" sz="2400" dirty="0" smtClean="0"/>
-              <a:t>The calendar should support the following functionality:</a:t>
+              <a:t>calendar should support the following functionality:</a:t>
             </a:r>
           </a:p>
           <a:p>
@@ -6279,7 +6122,7 @@
         </p:blipFill>
         <p:spPr>
           <a:xfrm>
-            <a:off x="1286522" y="4625512"/>
+            <a:off x="1286522" y="4168328"/>
             <a:ext cx="1633491" cy="1447060"/>
           </a:xfrm>
           <a:prstGeom prst="roundRect">
@@ -6299,7 +6142,7 @@
         </p:nvSpPr>
         <p:spPr>
           <a:xfrm>
-            <a:off x="1224378" y="4096554"/>
+            <a:off x="1224378" y="3639370"/>
             <a:ext cx="1757778" cy="384721"/>
           </a:xfrm>
           <a:prstGeom prst="rect">
@@ -6546,7 +6389,7 @@
         </p:nvSpPr>
         <p:spPr>
           <a:xfrm>
-            <a:off x="3586696" y="4096553"/>
+            <a:off x="3586696" y="3639369"/>
             <a:ext cx="1757778" cy="384721"/>
           </a:xfrm>
           <a:prstGeom prst="rect">
@@ -6793,7 +6636,7 @@
         </p:nvSpPr>
         <p:spPr>
           <a:xfrm>
-            <a:off x="5952477" y="4115813"/>
+            <a:off x="5952477" y="3658629"/>
             <a:ext cx="1757778" cy="384721"/>
           </a:xfrm>
           <a:prstGeom prst="rect">
@@ -7051,7 +6894,7 @@
         </p:blipFill>
         <p:spPr>
           <a:xfrm>
-            <a:off x="6011158" y="4625512"/>
+            <a:off x="6011158" y="4168328"/>
             <a:ext cx="1640416" cy="1447060"/>
           </a:xfrm>
           <a:prstGeom prst="roundRect">
@@ -7082,7 +6925,7 @@
         </p:blipFill>
         <p:spPr>
           <a:xfrm>
-            <a:off x="3646435" y="4625512"/>
+            <a:off x="3646435" y="4168328"/>
             <a:ext cx="1638300" cy="1441450"/>
           </a:xfrm>
           <a:prstGeom prst="roundRect">
@@ -7105,66 +6948,8 @@
 </p:sld>
 </file>
 
-<file path=ppt/slides/slide5.xml><?xml version="1.0" encoding="utf-8"?>
-<p:sld xmlns:a="http://schemas.openxmlformats.org/drawingml/2006/main" xmlns:r="http://schemas.openxmlformats.org/officeDocument/2006/relationships" xmlns:p="http://schemas.openxmlformats.org/presentationml/2006/main">
-  <p:cSld>
-    <p:spTree>
-      <p:nvGrpSpPr>
-        <p:cNvPr id="1" name=""/>
-        <p:cNvGrpSpPr/>
-        <p:nvPr/>
-      </p:nvGrpSpPr>
-      <p:grpSpPr>
-        <a:xfrm>
-          <a:off x="0" y="0"/>
-          <a:ext cx="0" cy="0"/>
-          <a:chOff x="0" y="0"/>
-          <a:chExt cx="0" cy="0"/>
-        </a:xfrm>
-      </p:grpSpPr>
-      <p:sp>
-        <p:nvSpPr>
-          <p:cNvPr id="4" name="Title 3"/>
-          <p:cNvSpPr>
-            <a:spLocks noGrp="1"/>
-          </p:cNvSpPr>
-          <p:nvPr>
-            <p:ph type="ctrTitle"/>
-          </p:nvPr>
-        </p:nvSpPr>
-        <p:spPr>
-          <a:xfrm>
-            <a:off x="609600" y="2946401"/>
-            <a:ext cx="7924800" cy="685800"/>
-          </a:xfrm>
-        </p:spPr>
-        <p:txBody>
-          <a:bodyPr/>
-          <a:lstStyle/>
-          <a:p>
-            <a:r>
-              <a:rPr lang="en-US" dirty="0" smtClean="0"/>
-              <a:t>Task 2 – jQuery plugin</a:t>
-            </a:r>
-            <a:endParaRPr lang="en-US" dirty="0"/>
-          </a:p>
-        </p:txBody>
-      </p:sp>
-    </p:spTree>
-    <p:extLst>
-      <p:ext uri="{BB962C8B-B14F-4D97-AF65-F5344CB8AC3E}">
-        <p14:creationId xmlns:p14="http://schemas.microsoft.com/office/powerpoint/2010/main" xmlns="" val="2548925872"/>
-      </p:ext>
-    </p:extLst>
-  </p:cSld>
-  <p:clrMapOvr>
-    <a:masterClrMapping/>
-  </p:clrMapOvr>
-</p:sld>
-</file>
-
-<file path=ppt/slides/slide6.xml><?xml version="1.0" encoding="utf-8"?>
-<p:sld xmlns:a="http://schemas.openxmlformats.org/drawingml/2006/main" xmlns:r="http://schemas.openxmlformats.org/officeDocument/2006/relationships" xmlns:p="http://schemas.openxmlformats.org/presentationml/2006/main">
+<file path=ppt/slides/slide4.xml><?xml version="1.0" encoding="utf-8"?>
+<p:sld xmlns:a="http://schemas.openxmlformats.org/drawingml/2006/main" xmlns:r="http://schemas.openxmlformats.org/officeDocument/2006/relationships" xmlns:p="http://schemas.openxmlformats.org/presentationml/2006/main" showMasterSp="0">
   <p:cSld>
     <p:spTree>
       <p:nvGrpSpPr>
@@ -7190,16 +6975,22 @@
             <p:ph type="title"/>
           </p:nvPr>
         </p:nvSpPr>
-        <p:spPr/>
+        <p:spPr>
+          <a:xfrm>
+            <a:off x="465364" y="108857"/>
+            <a:ext cx="7086600" cy="838200"/>
+          </a:xfrm>
+        </p:spPr>
         <p:txBody>
           <a:bodyPr/>
           <a:lstStyle/>
           <a:p>
-            <a:r>
-              <a:rPr lang="en-US" dirty="0" smtClean="0"/>
+            <a:pPr algn="l"/>
+            <a:r>
+              <a:rPr lang="en-US" sz="3000" dirty="0" smtClean="0"/>
               <a:t>Task 2 – jQuery Plugin</a:t>
             </a:r>
-            <a:endParaRPr lang="en-US" dirty="0"/>
+            <a:endParaRPr lang="en-US" sz="3000" dirty="0"/>
           </a:p>
         </p:txBody>
       </p:sp>
@@ -7569,66 +7360,8 @@
 </p:sld>
 </file>
 
-<file path=ppt/slides/slide7.xml><?xml version="1.0" encoding="utf-8"?>
-<p:sld xmlns:a="http://schemas.openxmlformats.org/drawingml/2006/main" xmlns:r="http://schemas.openxmlformats.org/officeDocument/2006/relationships" xmlns:p="http://schemas.openxmlformats.org/presentationml/2006/main">
-  <p:cSld>
-    <p:spTree>
-      <p:nvGrpSpPr>
-        <p:cNvPr id="1" name=""/>
-        <p:cNvGrpSpPr/>
-        <p:nvPr/>
-      </p:nvGrpSpPr>
-      <p:grpSpPr>
-        <a:xfrm>
-          <a:off x="0" y="0"/>
-          <a:ext cx="0" cy="0"/>
-          <a:chOff x="0" y="0"/>
-          <a:chExt cx="0" cy="0"/>
-        </a:xfrm>
-      </p:grpSpPr>
-      <p:sp>
-        <p:nvSpPr>
-          <p:cNvPr id="6" name="Title 5"/>
-          <p:cNvSpPr>
-            <a:spLocks noGrp="1"/>
-          </p:cNvSpPr>
-          <p:nvPr>
-            <p:ph type="ctrTitle"/>
-          </p:nvPr>
-        </p:nvSpPr>
-        <p:spPr>
-          <a:xfrm>
-            <a:off x="609600" y="2809876"/>
-            <a:ext cx="7924800" cy="685800"/>
-          </a:xfrm>
-        </p:spPr>
-        <p:txBody>
-          <a:bodyPr/>
-          <a:lstStyle/>
-          <a:p>
-            <a:r>
-              <a:rPr lang="en-US" dirty="0" smtClean="0"/>
-              <a:t>Task 3 – Handlebars Templates</a:t>
-            </a:r>
-            <a:endParaRPr lang="en-US" dirty="0"/>
-          </a:p>
-        </p:txBody>
-      </p:sp>
-    </p:spTree>
-    <p:extLst>
-      <p:ext uri="{BB962C8B-B14F-4D97-AF65-F5344CB8AC3E}">
-        <p14:creationId xmlns:p14="http://schemas.microsoft.com/office/powerpoint/2010/main" xmlns="" val="2647005108"/>
-      </p:ext>
-    </p:extLst>
-  </p:cSld>
-  <p:clrMapOvr>
-    <a:masterClrMapping/>
-  </p:clrMapOvr>
-</p:sld>
-</file>
-
-<file path=ppt/slides/slide8.xml><?xml version="1.0" encoding="utf-8"?>
-<p:sld xmlns:a="http://schemas.openxmlformats.org/drawingml/2006/main" xmlns:r="http://schemas.openxmlformats.org/officeDocument/2006/relationships" xmlns:p="http://schemas.openxmlformats.org/presentationml/2006/main">
+<file path=ppt/slides/slide5.xml><?xml version="1.0" encoding="utf-8"?>
+<p:sld xmlns:a="http://schemas.openxmlformats.org/drawingml/2006/main" xmlns:r="http://schemas.openxmlformats.org/officeDocument/2006/relationships" xmlns:p="http://schemas.openxmlformats.org/presentationml/2006/main" showMasterSp="0">
   <p:cSld>
     <p:spTree>
       <p:nvGrpSpPr>
@@ -7654,16 +7387,22 @@
             <p:ph type="title"/>
           </p:nvPr>
         </p:nvSpPr>
-        <p:spPr/>
+        <p:spPr>
+          <a:xfrm>
+            <a:off x="457199" y="141514"/>
+            <a:ext cx="7086600" cy="838200"/>
+          </a:xfrm>
+        </p:spPr>
         <p:txBody>
           <a:bodyPr/>
           <a:lstStyle/>
           <a:p>
-            <a:r>
-              <a:rPr lang="en-US" dirty="0" smtClean="0"/>
+            <a:pPr algn="l"/>
+            <a:r>
+              <a:rPr lang="en-US" sz="3000" dirty="0" smtClean="0"/>
               <a:t>Task 3 – Handlebars Templates</a:t>
             </a:r>
-            <a:endParaRPr lang="en-US" dirty="0"/>
+            <a:endParaRPr lang="en-US" sz="3000" dirty="0"/>
           </a:p>
         </p:txBody>
       </p:sp>
